--- a/報告 Simpsons character recognition v.0.1.pptx
+++ b/報告 Simpsons character recognition v.0.1.pptx
@@ -5,18 +5,20 @@
     <p:sldMasterId id="2147483648" r:id="rId1"/>
   </p:sldMasterIdLst>
   <p:notesMasterIdLst>
-    <p:notesMasterId r:id="rId11"/>
+    <p:notesMasterId r:id="rId13"/>
   </p:notesMasterIdLst>
   <p:sldIdLst>
     <p:sldId id="344" r:id="rId2"/>
-    <p:sldId id="354" r:id="rId3"/>
-    <p:sldId id="352" r:id="rId4"/>
-    <p:sldId id="346" r:id="rId5"/>
-    <p:sldId id="351" r:id="rId6"/>
-    <p:sldId id="395" r:id="rId7"/>
-    <p:sldId id="396" r:id="rId8"/>
-    <p:sldId id="397" r:id="rId9"/>
-    <p:sldId id="398" r:id="rId10"/>
+    <p:sldId id="400" r:id="rId3"/>
+    <p:sldId id="399" r:id="rId4"/>
+    <p:sldId id="354" r:id="rId5"/>
+    <p:sldId id="352" r:id="rId6"/>
+    <p:sldId id="346" r:id="rId7"/>
+    <p:sldId id="351" r:id="rId8"/>
+    <p:sldId id="395" r:id="rId9"/>
+    <p:sldId id="396" r:id="rId10"/>
+    <p:sldId id="397" r:id="rId11"/>
+    <p:sldId id="398" r:id="rId12"/>
   </p:sldIdLst>
   <p:sldSz cx="12192000" cy="6858000"/>
   <p:notesSz cx="6858000" cy="9144000"/>
@@ -126,9 +128,41 @@
 <file path=ppt/changesInfos/changesInfo1.xml><?xml version="1.0" encoding="utf-8"?>
 <pc:chgInfo xmlns:a="http://schemas.openxmlformats.org/drawingml/2006/main" xmlns:r="http://schemas.openxmlformats.org/officeDocument/2006/relationships" xmlns:ac="http://schemas.microsoft.com/office/drawing/2013/main/command" xmlns:pc="http://schemas.microsoft.com/office/powerpoint/2013/main/command">
   <pc:docChgLst>
+    <pc:chgData name="文淵 林" userId="9c8efa87ca1bf65c" providerId="LiveId" clId="{6CD9EB12-B36C-4CCA-9A3C-AB434E0300C1}"/>
+    <pc:docChg chg="custSel addSld modSld sldOrd">
+      <pc:chgData name="文淵 林" userId="9c8efa87ca1bf65c" providerId="LiveId" clId="{6CD9EB12-B36C-4CCA-9A3C-AB434E0300C1}" dt="2021-12-26T02:20:41.768" v="1029"/>
+      <pc:docMkLst>
+        <pc:docMk/>
+      </pc:docMkLst>
+      <pc:sldChg chg="modSp new mod ord">
+        <pc:chgData name="文淵 林" userId="9c8efa87ca1bf65c" providerId="LiveId" clId="{6CD9EB12-B36C-4CCA-9A3C-AB434E0300C1}" dt="2021-12-26T02:20:41.768" v="1029"/>
+        <pc:sldMkLst>
+          <pc:docMk/>
+          <pc:sldMk cId="1414720527" sldId="400"/>
+        </pc:sldMkLst>
+        <pc:spChg chg="mod">
+          <ac:chgData name="文淵 林" userId="9c8efa87ca1bf65c" providerId="LiveId" clId="{6CD9EB12-B36C-4CCA-9A3C-AB434E0300C1}" dt="2021-12-26T02:01:22.804" v="19" actId="20577"/>
+          <ac:spMkLst>
+            <pc:docMk/>
+            <pc:sldMk cId="1414720527" sldId="400"/>
+            <ac:spMk id="2" creationId="{A1CC3395-FF1E-423C-8B93-00565B5CDA4B}"/>
+          </ac:spMkLst>
+        </pc:spChg>
+        <pc:spChg chg="mod">
+          <ac:chgData name="文淵 林" userId="9c8efa87ca1bf65c" providerId="LiveId" clId="{6CD9EB12-B36C-4CCA-9A3C-AB434E0300C1}" dt="2021-12-26T02:20:33.979" v="1027" actId="14100"/>
+          <ac:spMkLst>
+            <pc:docMk/>
+            <pc:sldMk cId="1414720527" sldId="400"/>
+            <ac:spMk id="3" creationId="{514BD2CD-9342-49C7-BF13-1D10134DF584}"/>
+          </ac:spMkLst>
+        </pc:spChg>
+      </pc:sldChg>
+    </pc:docChg>
+  </pc:docChgLst>
+  <pc:docChgLst>
     <pc:chgData name="文淵 林" userId="9c8efa87ca1bf65c" providerId="LiveId" clId="{64B6D4CC-4D0B-4AA0-9134-086DBEE1BD8D}"/>
     <pc:docChg chg="undo custSel addSld delSld modSld">
-      <pc:chgData name="文淵 林" userId="9c8efa87ca1bf65c" providerId="LiveId" clId="{64B6D4CC-4D0B-4AA0-9134-086DBEE1BD8D}" dt="2021-12-25T03:00:47.245" v="179" actId="47"/>
+      <pc:chgData name="文淵 林" userId="9c8efa87ca1bf65c" providerId="LiveId" clId="{64B6D4CC-4D0B-4AA0-9134-086DBEE1BD8D}" dt="2021-12-25T07:33:43.660" v="277" actId="20577"/>
       <pc:docMkLst>
         <pc:docMk/>
       </pc:docMkLst>
@@ -476,6 +510,29 @@
           </ac:picMkLst>
         </pc:picChg>
       </pc:sldChg>
+      <pc:sldChg chg="modSp new mod">
+        <pc:chgData name="文淵 林" userId="9c8efa87ca1bf65c" providerId="LiveId" clId="{64B6D4CC-4D0B-4AA0-9134-086DBEE1BD8D}" dt="2021-12-25T07:33:43.660" v="277" actId="20577"/>
+        <pc:sldMkLst>
+          <pc:docMk/>
+          <pc:sldMk cId="2146232541" sldId="399"/>
+        </pc:sldMkLst>
+        <pc:spChg chg="mod">
+          <ac:chgData name="文淵 林" userId="9c8efa87ca1bf65c" providerId="LiveId" clId="{64B6D4CC-4D0B-4AA0-9134-086DBEE1BD8D}" dt="2021-12-25T07:33:29.348" v="255" actId="20577"/>
+          <ac:spMkLst>
+            <pc:docMk/>
+            <pc:sldMk cId="2146232541" sldId="399"/>
+            <ac:spMk id="2" creationId="{40614615-1258-4AE4-8D21-EE44EC9D6E57}"/>
+          </ac:spMkLst>
+        </pc:spChg>
+        <pc:spChg chg="mod">
+          <ac:chgData name="文淵 林" userId="9c8efa87ca1bf65c" providerId="LiveId" clId="{64B6D4CC-4D0B-4AA0-9134-086DBEE1BD8D}" dt="2021-12-25T07:33:43.660" v="277" actId="20577"/>
+          <ac:spMkLst>
+            <pc:docMk/>
+            <pc:sldMk cId="2146232541" sldId="399"/>
+            <ac:spMk id="3" creationId="{C037C1B6-8102-46F3-B052-0B778B5353E9}"/>
+          </ac:spMkLst>
+        </pc:spChg>
+      </pc:sldChg>
     </pc:docChg>
   </pc:docChgLst>
 </pc:chgInfo>
@@ -563,7 +620,7 @@
           <a:p>
             <a:fld id="{CEECB71F-5085-48B3-9ECF-3F6C17FA145E}" type="datetimeFigureOut">
               <a:rPr lang="zh-TW" altLang="en-US" smtClean="0"/>
-              <a:t>2021/12/25</a:t>
+              <a:t>2021/12/26</a:t>
             </a:fld>
             <a:endParaRPr lang="zh-TW" altLang="en-US"/>
           </a:p>
@@ -1019,7 +1076,7 @@
             <a:fld id="{B61BEF0D-F0BB-DE4B-95CE-6DB70DBA9567}" type="datetimeFigureOut">
               <a:rPr lang="en-US" dirty="0"/>
               <a:pPr/>
-              <a:t>12/25/2021</a:t>
+              <a:t>12/26/2021</a:t>
             </a:fld>
             <a:endParaRPr lang="en-US" dirty="0"/>
           </a:p>
@@ -1354,7 +1411,7 @@
             <a:fld id="{B61BEF0D-F0BB-DE4B-95CE-6DB70DBA9567}" type="datetimeFigureOut">
               <a:rPr lang="en-US" dirty="0"/>
               <a:pPr/>
-              <a:t>12/25/2021</a:t>
+              <a:t>12/26/2021</a:t>
             </a:fld>
             <a:endParaRPr lang="en-US" dirty="0"/>
           </a:p>
@@ -1752,7 +1809,7 @@
             <a:fld id="{B61BEF0D-F0BB-DE4B-95CE-6DB70DBA9567}" type="datetimeFigureOut">
               <a:rPr lang="en-US" dirty="0"/>
               <a:pPr/>
-              <a:t>12/25/2021</a:t>
+              <a:t>12/26/2021</a:t>
             </a:fld>
             <a:endParaRPr lang="en-US" dirty="0"/>
           </a:p>
@@ -2085,7 +2142,7 @@
             <a:fld id="{B61BEF0D-F0BB-DE4B-95CE-6DB70DBA9567}" type="datetimeFigureOut">
               <a:rPr lang="en-US" dirty="0"/>
               <a:pPr/>
-              <a:t>12/25/2021</a:t>
+              <a:t>12/26/2021</a:t>
             </a:fld>
             <a:endParaRPr lang="en-US" dirty="0"/>
           </a:p>
@@ -2402,7 +2459,7 @@
             <a:fld id="{B61BEF0D-F0BB-DE4B-95CE-6DB70DBA9567}" type="datetimeFigureOut">
               <a:rPr lang="en-US" dirty="0"/>
               <a:pPr/>
-              <a:t>12/25/2021</a:t>
+              <a:t>12/26/2021</a:t>
             </a:fld>
             <a:endParaRPr lang="en-US" dirty="0"/>
           </a:p>
@@ -2795,7 +2852,7 @@
             <a:fld id="{B61BEF0D-F0BB-DE4B-95CE-6DB70DBA9567}" type="datetimeFigureOut">
               <a:rPr lang="en-US" dirty="0"/>
               <a:pPr/>
-              <a:t>12/25/2021</a:t>
+              <a:t>12/26/2021</a:t>
             </a:fld>
             <a:endParaRPr lang="en-US" dirty="0"/>
           </a:p>
@@ -3049,7 +3106,7 @@
             <a:fld id="{B61BEF0D-F0BB-DE4B-95CE-6DB70DBA9567}" type="datetimeFigureOut">
               <a:rPr lang="en-US" dirty="0"/>
               <a:pPr/>
-              <a:t>12/25/2021</a:t>
+              <a:t>12/26/2021</a:t>
             </a:fld>
             <a:endParaRPr lang="en-US" dirty="0"/>
           </a:p>
@@ -3308,7 +3365,7 @@
             <a:fld id="{B61BEF0D-F0BB-DE4B-95CE-6DB70DBA9567}" type="datetimeFigureOut">
               <a:rPr lang="en-US" dirty="0"/>
               <a:pPr/>
-              <a:t>12/25/2021</a:t>
+              <a:t>12/26/2021</a:t>
             </a:fld>
             <a:endParaRPr lang="en-US" dirty="0"/>
           </a:p>
@@ -3567,7 +3624,7 @@
             <a:fld id="{B61BEF0D-F0BB-DE4B-95CE-6DB70DBA9567}" type="datetimeFigureOut">
               <a:rPr lang="en-US" dirty="0"/>
               <a:pPr/>
-              <a:t>12/25/2021</a:t>
+              <a:t>12/26/2021</a:t>
             </a:fld>
             <a:endParaRPr lang="en-US" dirty="0"/>
           </a:p>
@@ -3893,7 +3950,7 @@
             <a:fld id="{B61BEF0D-F0BB-DE4B-95CE-6DB70DBA9567}" type="datetimeFigureOut">
               <a:rPr lang="en-US" dirty="0"/>
               <a:pPr/>
-              <a:t>12/25/2021</a:t>
+              <a:t>12/26/2021</a:t>
             </a:fld>
             <a:endParaRPr lang="en-US" dirty="0"/>
           </a:p>
@@ -4213,7 +4270,7 @@
             <a:fld id="{B61BEF0D-F0BB-DE4B-95CE-6DB70DBA9567}" type="datetimeFigureOut">
               <a:rPr lang="en-US" dirty="0"/>
               <a:pPr/>
-              <a:t>12/25/2021</a:t>
+              <a:t>12/26/2021</a:t>
             </a:fld>
             <a:endParaRPr lang="en-US" dirty="0"/>
           </a:p>
@@ -4667,7 +4724,7 @@
             <a:fld id="{B61BEF0D-F0BB-DE4B-95CE-6DB70DBA9567}" type="datetimeFigureOut">
               <a:rPr lang="en-US" dirty="0"/>
               <a:pPr/>
-              <a:t>12/25/2021</a:t>
+              <a:t>12/26/2021</a:t>
             </a:fld>
             <a:endParaRPr lang="en-US" dirty="0"/>
           </a:p>
@@ -4869,7 +4926,7 @@
             <a:fld id="{B61BEF0D-F0BB-DE4B-95CE-6DB70DBA9567}" type="datetimeFigureOut">
               <a:rPr lang="en-US" dirty="0"/>
               <a:pPr/>
-              <a:t>12/25/2021</a:t>
+              <a:t>12/26/2021</a:t>
             </a:fld>
             <a:endParaRPr lang="en-US" dirty="0"/>
           </a:p>
@@ -5043,7 +5100,7 @@
             <a:fld id="{B61BEF0D-F0BB-DE4B-95CE-6DB70DBA9567}" type="datetimeFigureOut">
               <a:rPr lang="en-US" dirty="0"/>
               <a:pPr/>
-              <a:t>12/25/2021</a:t>
+              <a:t>12/26/2021</a:t>
             </a:fld>
             <a:endParaRPr lang="en-US" dirty="0"/>
           </a:p>
@@ -5373,7 +5430,7 @@
             <a:fld id="{B61BEF0D-F0BB-DE4B-95CE-6DB70DBA9567}" type="datetimeFigureOut">
               <a:rPr lang="en-US" dirty="0"/>
               <a:pPr/>
-              <a:t>12/25/2021</a:t>
+              <a:t>12/26/2021</a:t>
             </a:fld>
             <a:endParaRPr lang="en-US" dirty="0"/>
           </a:p>
@@ -5715,7 +5772,7 @@
             <a:fld id="{B61BEF0D-F0BB-DE4B-95CE-6DB70DBA9567}" type="datetimeFigureOut">
               <a:rPr lang="en-US" dirty="0"/>
               <a:pPr/>
-              <a:t>12/25/2021</a:t>
+              <a:t>12/26/2021</a:t>
             </a:fld>
             <a:endParaRPr lang="en-US" dirty="0"/>
           </a:p>
@@ -7829,7 +7886,7 @@
             <a:fld id="{B61BEF0D-F0BB-DE4B-95CE-6DB70DBA9567}" type="datetimeFigureOut">
               <a:rPr lang="en-US" dirty="0"/>
               <a:pPr/>
-              <a:t>12/25/2021</a:t>
+              <a:t>12/26/2021</a:t>
             </a:fld>
             <a:endParaRPr lang="en-US" dirty="0"/>
           </a:p>
@@ -8458,7 +8515,628 @@
 </p:sld>
 </file>
 
+<file path=ppt/slides/slide10.xml><?xml version="1.0" encoding="utf-8"?>
+<p:sld xmlns:a="http://schemas.openxmlformats.org/drawingml/2006/main" xmlns:r="http://schemas.openxmlformats.org/officeDocument/2006/relationships" xmlns:p="http://schemas.openxmlformats.org/presentationml/2006/main">
+  <p:cSld>
+    <p:spTree>
+      <p:nvGrpSpPr>
+        <p:cNvPr id="1" name=""/>
+        <p:cNvGrpSpPr/>
+        <p:nvPr/>
+      </p:nvGrpSpPr>
+      <p:grpSpPr>
+        <a:xfrm>
+          <a:off x="0" y="0"/>
+          <a:ext cx="0" cy="0"/>
+          <a:chOff x="0" y="0"/>
+          <a:chExt cx="0" cy="0"/>
+        </a:xfrm>
+      </p:grpSpPr>
+      <p:sp>
+        <p:nvSpPr>
+          <p:cNvPr id="2" name="標題 1">
+            <a:extLst>
+              <a:ext uri="{FF2B5EF4-FFF2-40B4-BE49-F238E27FC236}">
+                <a16:creationId xmlns:a16="http://schemas.microsoft.com/office/drawing/2014/main" id="{E31F225F-3B9F-44AC-95FF-31F2ADAA5484}"/>
+              </a:ext>
+            </a:extLst>
+          </p:cNvPr>
+          <p:cNvSpPr>
+            <a:spLocks noGrp="1"/>
+          </p:cNvSpPr>
+          <p:nvPr>
+            <p:ph type="title"/>
+          </p:nvPr>
+        </p:nvSpPr>
+        <p:spPr/>
+        <p:txBody>
+          <a:bodyPr/>
+          <a:lstStyle/>
+          <a:p>
+            <a:r>
+              <a:rPr lang="en-US" altLang="zh-TW" i="0" dirty="0">
+                <a:effectLst/>
+                <a:latin typeface="-apple-system"/>
+              </a:rPr>
+              <a:t>Train the model</a:t>
+            </a:r>
+            <a:endParaRPr lang="zh-TW" altLang="en-US" dirty="0"/>
+          </a:p>
+        </p:txBody>
+      </p:sp>
+      <p:sp>
+        <p:nvSpPr>
+          <p:cNvPr id="3" name="內容版面配置區 2">
+            <a:extLst>
+              <a:ext uri="{FF2B5EF4-FFF2-40B4-BE49-F238E27FC236}">
+                <a16:creationId xmlns:a16="http://schemas.microsoft.com/office/drawing/2014/main" id="{326B3F73-898C-4584-965F-976DBD3CDD4D}"/>
+              </a:ext>
+            </a:extLst>
+          </p:cNvPr>
+          <p:cNvSpPr>
+            <a:spLocks noGrp="1"/>
+          </p:cNvSpPr>
+          <p:nvPr>
+            <p:ph idx="1"/>
+          </p:nvPr>
+        </p:nvSpPr>
+        <p:spPr/>
+        <p:txBody>
+          <a:bodyPr/>
+          <a:lstStyle/>
+          <a:p>
+            <a:endParaRPr lang="zh-TW" altLang="en-US"/>
+          </a:p>
+        </p:txBody>
+      </p:sp>
+      <p:pic>
+        <p:nvPicPr>
+          <p:cNvPr id="9" name="圖片 8">
+            <a:extLst>
+              <a:ext uri="{FF2B5EF4-FFF2-40B4-BE49-F238E27FC236}">
+                <a16:creationId xmlns:a16="http://schemas.microsoft.com/office/drawing/2014/main" id="{F77307BF-DCE8-4577-AD1E-EE4B263E42DA}"/>
+              </a:ext>
+            </a:extLst>
+          </p:cNvPr>
+          <p:cNvPicPr>
+            <a:picLocks noChangeAspect="1"/>
+          </p:cNvPicPr>
+          <p:nvPr/>
+        </p:nvPicPr>
+        <p:blipFill>
+          <a:blip r:embed="rId2"/>
+          <a:stretch>
+            <a:fillRect/>
+          </a:stretch>
+        </p:blipFill>
+        <p:spPr>
+          <a:xfrm>
+            <a:off x="2436125" y="2223552"/>
+            <a:ext cx="8865287" cy="2919948"/>
+          </a:xfrm>
+          <a:prstGeom prst="rect">
+            <a:avLst/>
+          </a:prstGeom>
+        </p:spPr>
+      </p:pic>
+    </p:spTree>
+    <p:extLst>
+      <p:ext uri="{BB962C8B-B14F-4D97-AF65-F5344CB8AC3E}">
+        <p14:creationId xmlns:p14="http://schemas.microsoft.com/office/powerpoint/2010/main" val="3084738398"/>
+      </p:ext>
+    </p:extLst>
+  </p:cSld>
+  <p:clrMapOvr>
+    <a:masterClrMapping/>
+  </p:clrMapOvr>
+</p:sld>
+</file>
+
+<file path=ppt/slides/slide11.xml><?xml version="1.0" encoding="utf-8"?>
+<p:sld xmlns:a="http://schemas.openxmlformats.org/drawingml/2006/main" xmlns:r="http://schemas.openxmlformats.org/officeDocument/2006/relationships" xmlns:p="http://schemas.openxmlformats.org/presentationml/2006/main">
+  <p:cSld>
+    <p:spTree>
+      <p:nvGrpSpPr>
+        <p:cNvPr id="1" name=""/>
+        <p:cNvGrpSpPr/>
+        <p:nvPr/>
+      </p:nvGrpSpPr>
+      <p:grpSpPr>
+        <a:xfrm>
+          <a:off x="0" y="0"/>
+          <a:ext cx="0" cy="0"/>
+          <a:chOff x="0" y="0"/>
+          <a:chExt cx="0" cy="0"/>
+        </a:xfrm>
+      </p:grpSpPr>
+      <p:sp>
+        <p:nvSpPr>
+          <p:cNvPr id="2" name="標題 1">
+            <a:extLst>
+              <a:ext uri="{FF2B5EF4-FFF2-40B4-BE49-F238E27FC236}">
+                <a16:creationId xmlns:a16="http://schemas.microsoft.com/office/drawing/2014/main" id="{B5DFA159-6AB5-4CE3-9219-E7C5085F8E5F}"/>
+              </a:ext>
+            </a:extLst>
+          </p:cNvPr>
+          <p:cNvSpPr>
+            <a:spLocks noGrp="1"/>
+          </p:cNvSpPr>
+          <p:nvPr>
+            <p:ph type="title"/>
+          </p:nvPr>
+        </p:nvSpPr>
+        <p:spPr/>
+        <p:txBody>
+          <a:bodyPr/>
+          <a:lstStyle/>
+          <a:p>
+            <a:r>
+              <a:rPr lang="en-US" altLang="zh-TW" i="0" dirty="0">
+                <a:effectLst/>
+                <a:latin typeface="-apple-system"/>
+              </a:rPr>
+              <a:t>Predict on test data</a:t>
+            </a:r>
+            <a:endParaRPr lang="zh-TW" altLang="en-US" dirty="0"/>
+          </a:p>
+        </p:txBody>
+      </p:sp>
+      <p:sp>
+        <p:nvSpPr>
+          <p:cNvPr id="3" name="內容版面配置區 2">
+            <a:extLst>
+              <a:ext uri="{FF2B5EF4-FFF2-40B4-BE49-F238E27FC236}">
+                <a16:creationId xmlns:a16="http://schemas.microsoft.com/office/drawing/2014/main" id="{703FB491-A606-47DB-8E03-DB860E340D81}"/>
+              </a:ext>
+            </a:extLst>
+          </p:cNvPr>
+          <p:cNvSpPr>
+            <a:spLocks noGrp="1"/>
+          </p:cNvSpPr>
+          <p:nvPr>
+            <p:ph idx="1"/>
+          </p:nvPr>
+        </p:nvSpPr>
+        <p:spPr/>
+        <p:txBody>
+          <a:bodyPr/>
+          <a:lstStyle/>
+          <a:p>
+            <a:endParaRPr lang="zh-TW" altLang="en-US"/>
+          </a:p>
+        </p:txBody>
+      </p:sp>
+      <p:pic>
+        <p:nvPicPr>
+          <p:cNvPr id="5" name="圖片 4">
+            <a:extLst>
+              <a:ext uri="{FF2B5EF4-FFF2-40B4-BE49-F238E27FC236}">
+                <a16:creationId xmlns:a16="http://schemas.microsoft.com/office/drawing/2014/main" id="{F69D83EB-9111-4B1A-9298-E418959FE1E6}"/>
+              </a:ext>
+            </a:extLst>
+          </p:cNvPr>
+          <p:cNvPicPr>
+            <a:picLocks noChangeAspect="1"/>
+          </p:cNvPicPr>
+          <p:nvPr/>
+        </p:nvPicPr>
+        <p:blipFill>
+          <a:blip r:embed="rId2"/>
+          <a:stretch>
+            <a:fillRect/>
+          </a:stretch>
+        </p:blipFill>
+        <p:spPr>
+          <a:xfrm>
+            <a:off x="2524835" y="1935103"/>
+            <a:ext cx="6657109" cy="4881880"/>
+          </a:xfrm>
+          <a:prstGeom prst="rect">
+            <a:avLst/>
+          </a:prstGeom>
+        </p:spPr>
+      </p:pic>
+    </p:spTree>
+    <p:extLst>
+      <p:ext uri="{BB962C8B-B14F-4D97-AF65-F5344CB8AC3E}">
+        <p14:creationId xmlns:p14="http://schemas.microsoft.com/office/powerpoint/2010/main" val="190519154"/>
+      </p:ext>
+    </p:extLst>
+  </p:cSld>
+  <p:clrMapOvr>
+    <a:masterClrMapping/>
+  </p:clrMapOvr>
+</p:sld>
+</file>
+
 <file path=ppt/slides/slide2.xml><?xml version="1.0" encoding="utf-8"?>
+<p:sld xmlns:a="http://schemas.openxmlformats.org/drawingml/2006/main" xmlns:r="http://schemas.openxmlformats.org/officeDocument/2006/relationships" xmlns:p="http://schemas.openxmlformats.org/presentationml/2006/main">
+  <p:cSld>
+    <p:spTree>
+      <p:nvGrpSpPr>
+        <p:cNvPr id="1" name=""/>
+        <p:cNvGrpSpPr/>
+        <p:nvPr/>
+      </p:nvGrpSpPr>
+      <p:grpSpPr>
+        <a:xfrm>
+          <a:off x="0" y="0"/>
+          <a:ext cx="0" cy="0"/>
+          <a:chOff x="0" y="0"/>
+          <a:chExt cx="0" cy="0"/>
+        </a:xfrm>
+      </p:grpSpPr>
+      <p:sp>
+        <p:nvSpPr>
+          <p:cNvPr id="2" name="標題 1">
+            <a:extLst>
+              <a:ext uri="{FF2B5EF4-FFF2-40B4-BE49-F238E27FC236}">
+                <a16:creationId xmlns:a16="http://schemas.microsoft.com/office/drawing/2014/main" id="{A1CC3395-FF1E-423C-8B93-00565B5CDA4B}"/>
+              </a:ext>
+            </a:extLst>
+          </p:cNvPr>
+          <p:cNvSpPr>
+            <a:spLocks noGrp="1"/>
+          </p:cNvSpPr>
+          <p:nvPr>
+            <p:ph type="title"/>
+          </p:nvPr>
+        </p:nvSpPr>
+        <p:spPr/>
+        <p:txBody>
+          <a:bodyPr/>
+          <a:lstStyle/>
+          <a:p>
+            <a:r>
+              <a:rPr lang="zh-TW" altLang="en-US" dirty="0"/>
+              <a:t>心得報告</a:t>
+            </a:r>
+          </a:p>
+        </p:txBody>
+      </p:sp>
+      <p:sp>
+        <p:nvSpPr>
+          <p:cNvPr id="3" name="內容版面配置區 2">
+            <a:extLst>
+              <a:ext uri="{FF2B5EF4-FFF2-40B4-BE49-F238E27FC236}">
+                <a16:creationId xmlns:a16="http://schemas.microsoft.com/office/drawing/2014/main" id="{514BD2CD-9342-49C7-BF13-1D10134DF584}"/>
+              </a:ext>
+            </a:extLst>
+          </p:cNvPr>
+          <p:cNvSpPr>
+            <a:spLocks noGrp="1"/>
+          </p:cNvSpPr>
+          <p:nvPr>
+            <p:ph idx="1"/>
+          </p:nvPr>
+        </p:nvSpPr>
+        <p:spPr>
+          <a:xfrm>
+            <a:off x="1940626" y="1540188"/>
+            <a:ext cx="8915400" cy="4509737"/>
+          </a:xfrm>
+        </p:spPr>
+        <p:txBody>
+          <a:bodyPr>
+            <a:normAutofit/>
+          </a:bodyPr>
+          <a:lstStyle/>
+          <a:p>
+            <a:pPr marL="361950" indent="-361950">
+              <a:buFont typeface="+mj-lt"/>
+              <a:buAutoNum type="arabicParenR"/>
+            </a:pPr>
+            <a:r>
+              <a:rPr lang="zh-TW" altLang="en-US" sz="2000" dirty="0"/>
+              <a:t>一開始還是使用比較熟悉的</a:t>
+            </a:r>
+            <a:r>
+              <a:rPr lang="en-US" altLang="zh-TW" sz="2000" dirty="0"/>
+              <a:t>Google </a:t>
+            </a:r>
+            <a:r>
+              <a:rPr lang="en-US" altLang="zh-TW" sz="2000" dirty="0" err="1"/>
+              <a:t>Colab</a:t>
+            </a:r>
+            <a:r>
+              <a:rPr lang="en-US" altLang="zh-TW" sz="2000" dirty="0"/>
+              <a:t> </a:t>
+            </a:r>
+            <a:r>
+              <a:rPr lang="zh-TW" altLang="en-US" sz="2000" dirty="0"/>
+              <a:t>環境執行專案，但因為</a:t>
+            </a:r>
+            <a:r>
+              <a:rPr lang="en-US" altLang="zh-TW" sz="2000" dirty="0"/>
+              <a:t>dataset </a:t>
+            </a:r>
+            <a:r>
+              <a:rPr lang="zh-TW" altLang="en-US" sz="2000" dirty="0"/>
+              <a:t>在雲端，執行時，資料傳來傳去很慢，在加上</a:t>
+            </a:r>
+            <a:r>
+              <a:rPr lang="en-US" altLang="zh-TW" sz="2000" dirty="0"/>
+              <a:t>training </a:t>
+            </a:r>
+            <a:r>
+              <a:rPr lang="zh-TW" altLang="en-US" sz="2000" dirty="0"/>
+              <a:t>時間過長，最後還是選擇放棄。</a:t>
+            </a:r>
+            <a:endParaRPr lang="en-US" altLang="zh-TW" sz="2000" dirty="0"/>
+          </a:p>
+          <a:p>
+            <a:pPr marL="457200" indent="-457200" defTabSz="361950">
+              <a:buFont typeface="+mj-lt"/>
+              <a:buAutoNum type="arabicParenR" startAt="2"/>
+            </a:pPr>
+            <a:r>
+              <a:rPr lang="zh-TW" altLang="en-US" sz="2000" dirty="0"/>
+              <a:t>原本已經建立好</a:t>
+            </a:r>
+            <a:r>
+              <a:rPr lang="en-US" altLang="zh-TW" sz="2000" dirty="0"/>
+              <a:t>Ubuntu </a:t>
+            </a:r>
+            <a:r>
+              <a:rPr lang="zh-TW" altLang="en-US" sz="2000" dirty="0"/>
+              <a:t>環境，包括 </a:t>
+            </a:r>
+            <a:r>
+              <a:rPr lang="en-US" altLang="zh-TW" sz="2000" dirty="0"/>
+              <a:t>anaconda, </a:t>
+            </a:r>
+            <a:r>
+              <a:rPr lang="en-US" altLang="zh-TW" sz="2000" dirty="0" err="1"/>
+              <a:t>cuda</a:t>
+            </a:r>
+            <a:r>
+              <a:rPr lang="en-US" altLang="zh-TW" sz="2000" dirty="0"/>
+              <a:t>, </a:t>
+            </a:r>
+            <a:r>
+              <a:rPr lang="en-US" altLang="zh-TW" sz="2000" dirty="0" err="1"/>
+              <a:t>cudnn</a:t>
+            </a:r>
+            <a:r>
+              <a:rPr lang="en-US" altLang="zh-TW" sz="2000" dirty="0"/>
+              <a:t> </a:t>
+            </a:r>
+            <a:r>
+              <a:rPr lang="zh-TW" altLang="en-US" sz="2000" dirty="0"/>
+              <a:t>等。也可執行。</a:t>
+            </a:r>
+            <a:endParaRPr lang="en-US" altLang="zh-TW" sz="2000" dirty="0"/>
+          </a:p>
+          <a:p>
+            <a:pPr marL="361950" indent="-361950" defTabSz="361950">
+              <a:buNone/>
+            </a:pPr>
+            <a:r>
+              <a:rPr lang="zh-TW" altLang="en-US" sz="2000" dirty="0"/>
+              <a:t>      但</a:t>
+            </a:r>
+            <a:r>
+              <a:rPr lang="en-US" altLang="zh-TW" sz="2000" dirty="0"/>
+              <a:t>ubuntu </a:t>
+            </a:r>
+            <a:r>
+              <a:rPr lang="zh-TW" altLang="en-US" sz="2000" dirty="0"/>
+              <a:t>環境自己不夠熟悉，常常遇到系統問題，</a:t>
+            </a:r>
+            <a:r>
+              <a:rPr lang="en-US" altLang="zh-TW" sz="2000" dirty="0"/>
+              <a:t>e.g. Infinite login loop, …</a:t>
+            </a:r>
+            <a:r>
+              <a:rPr lang="zh-TW" altLang="en-US" sz="2000" dirty="0"/>
+              <a:t>導致花費很多時間在維護系統，基於時間考量，最後暫時放棄，希望下一個題目能用</a:t>
+            </a:r>
+            <a:r>
+              <a:rPr lang="en-US" altLang="zh-TW" sz="2000" dirty="0"/>
+              <a:t>	ubuntu </a:t>
+            </a:r>
+            <a:r>
+              <a:rPr lang="zh-TW" altLang="en-US" sz="2000" dirty="0"/>
+              <a:t>環境來執行。</a:t>
+            </a:r>
+            <a:endParaRPr lang="en-US" altLang="zh-TW" sz="2000" dirty="0"/>
+          </a:p>
+          <a:p>
+            <a:pPr marL="457200" indent="-457200" defTabSz="361950">
+              <a:buFont typeface="+mj-lt"/>
+              <a:buAutoNum type="arabicParenR" startAt="3"/>
+            </a:pPr>
+            <a:r>
+              <a:rPr lang="zh-TW" altLang="en-US" sz="2000" dirty="0"/>
+              <a:t>有試用</a:t>
+            </a:r>
+            <a:r>
+              <a:rPr lang="en-US" altLang="zh-TW" sz="2000" dirty="0"/>
+              <a:t>Transfer learning, e.g. </a:t>
+            </a:r>
+            <a:r>
+              <a:rPr lang="en-US" altLang="zh-TW" sz="2000" dirty="0" err="1"/>
+              <a:t>ResNET</a:t>
+            </a:r>
+            <a:r>
+              <a:rPr lang="en-US" altLang="zh-TW" sz="2000" dirty="0"/>
+              <a:t>, VGG </a:t>
+            </a:r>
+            <a:r>
+              <a:rPr lang="zh-TW" altLang="en-US" sz="2000" dirty="0"/>
+              <a:t>等，但執行時間很長，最後還是用</a:t>
+            </a:r>
+            <a:r>
+              <a:rPr lang="en-US" altLang="zh-TW" sz="2000" dirty="0"/>
+              <a:t>CNN</a:t>
+            </a:r>
+            <a:r>
+              <a:rPr lang="zh-TW" altLang="en-US" sz="2000" dirty="0"/>
+              <a:t>架構，得到一定程度結果，希望下次再試用</a:t>
+            </a:r>
+            <a:r>
+              <a:rPr lang="en-US" altLang="zh-TW" sz="2000" dirty="0"/>
+              <a:t>transfer learning.  </a:t>
+            </a:r>
+          </a:p>
+          <a:p>
+            <a:pPr marL="361950" indent="-361950" defTabSz="361950">
+              <a:buNone/>
+            </a:pPr>
+            <a:endParaRPr lang="en-US" altLang="zh-TW" sz="2000" dirty="0"/>
+          </a:p>
+          <a:p>
+            <a:pPr marL="361950" indent="-361950" defTabSz="361950">
+              <a:buNone/>
+            </a:pPr>
+            <a:endParaRPr lang="zh-TW" altLang="en-US" sz="2000" dirty="0"/>
+          </a:p>
+        </p:txBody>
+      </p:sp>
+    </p:spTree>
+    <p:extLst>
+      <p:ext uri="{BB962C8B-B14F-4D97-AF65-F5344CB8AC3E}">
+        <p14:creationId xmlns:p14="http://schemas.microsoft.com/office/powerpoint/2010/main" val="1414720527"/>
+      </p:ext>
+    </p:extLst>
+  </p:cSld>
+  <p:clrMapOvr>
+    <a:masterClrMapping/>
+  </p:clrMapOvr>
+</p:sld>
+</file>
+
+<file path=ppt/slides/slide3.xml><?xml version="1.0" encoding="utf-8"?>
+<p:sld xmlns:a="http://schemas.openxmlformats.org/drawingml/2006/main" xmlns:r="http://schemas.openxmlformats.org/officeDocument/2006/relationships" xmlns:p="http://schemas.openxmlformats.org/presentationml/2006/main">
+  <p:cSld>
+    <p:spTree>
+      <p:nvGrpSpPr>
+        <p:cNvPr id="1" name=""/>
+        <p:cNvGrpSpPr/>
+        <p:nvPr/>
+      </p:nvGrpSpPr>
+      <p:grpSpPr>
+        <a:xfrm>
+          <a:off x="0" y="0"/>
+          <a:ext cx="0" cy="0"/>
+          <a:chOff x="0" y="0"/>
+          <a:chExt cx="0" cy="0"/>
+        </a:xfrm>
+      </p:grpSpPr>
+      <p:sp>
+        <p:nvSpPr>
+          <p:cNvPr id="2" name="標題 1">
+            <a:extLst>
+              <a:ext uri="{FF2B5EF4-FFF2-40B4-BE49-F238E27FC236}">
+                <a16:creationId xmlns:a16="http://schemas.microsoft.com/office/drawing/2014/main" id="{40614615-1258-4AE4-8D21-EE44EC9D6E57}"/>
+              </a:ext>
+            </a:extLst>
+          </p:cNvPr>
+          <p:cNvSpPr>
+            <a:spLocks noGrp="1"/>
+          </p:cNvSpPr>
+          <p:nvPr>
+            <p:ph type="title"/>
+          </p:nvPr>
+        </p:nvSpPr>
+        <p:spPr/>
+        <p:txBody>
+          <a:bodyPr/>
+          <a:lstStyle/>
+          <a:p>
+            <a:r>
+              <a:rPr lang="en-US" altLang="zh-TW" dirty="0"/>
+              <a:t>System environment</a:t>
+            </a:r>
+            <a:endParaRPr lang="zh-TW" altLang="en-US" dirty="0"/>
+          </a:p>
+        </p:txBody>
+      </p:sp>
+      <p:sp>
+        <p:nvSpPr>
+          <p:cNvPr id="3" name="內容版面配置區 2">
+            <a:extLst>
+              <a:ext uri="{FF2B5EF4-FFF2-40B4-BE49-F238E27FC236}">
+                <a16:creationId xmlns:a16="http://schemas.microsoft.com/office/drawing/2014/main" id="{C037C1B6-8102-46F3-B052-0B778B5353E9}"/>
+              </a:ext>
+            </a:extLst>
+          </p:cNvPr>
+          <p:cNvSpPr>
+            <a:spLocks noGrp="1"/>
+          </p:cNvSpPr>
+          <p:nvPr>
+            <p:ph idx="1"/>
+          </p:nvPr>
+        </p:nvSpPr>
+        <p:spPr/>
+        <p:txBody>
+          <a:bodyPr/>
+          <a:lstStyle/>
+          <a:p>
+            <a:r>
+              <a:rPr lang="en-US" altLang="zh-TW" dirty="0" err="1"/>
+              <a:t>Tensorflow</a:t>
+            </a:r>
+            <a:r>
+              <a:rPr lang="en-US" altLang="zh-TW" dirty="0"/>
+              <a:t> 2.5</a:t>
+            </a:r>
+          </a:p>
+          <a:p>
+            <a:r>
+              <a:rPr lang="en-US" altLang="zh-TW" dirty="0" err="1"/>
+              <a:t>Cuda</a:t>
+            </a:r>
+            <a:r>
+              <a:rPr lang="en-US" altLang="zh-TW" dirty="0"/>
+              <a:t> 11.1</a:t>
+            </a:r>
+          </a:p>
+          <a:p>
+            <a:r>
+              <a:rPr lang="en-US" altLang="zh-TW" dirty="0" err="1"/>
+              <a:t>Cudnn</a:t>
+            </a:r>
+            <a:r>
+              <a:rPr lang="en-US" altLang="zh-TW" dirty="0"/>
+              <a:t> 8.05</a:t>
+            </a:r>
+          </a:p>
+          <a:p>
+            <a:r>
+              <a:rPr lang="en-US" altLang="zh-TW" dirty="0"/>
+              <a:t>Python 3.8</a:t>
+            </a:r>
+          </a:p>
+          <a:p>
+            <a:r>
+              <a:rPr lang="en-US" altLang="zh-TW" dirty="0"/>
+              <a:t>Window</a:t>
+            </a:r>
+          </a:p>
+          <a:p>
+            <a:r>
+              <a:rPr lang="en-US" altLang="zh-TW"/>
+              <a:t>Anaconda</a:t>
+            </a:r>
+            <a:endParaRPr lang="zh-TW" altLang="en-US" dirty="0"/>
+          </a:p>
+        </p:txBody>
+      </p:sp>
+    </p:spTree>
+    <p:extLst>
+      <p:ext uri="{BB962C8B-B14F-4D97-AF65-F5344CB8AC3E}">
+        <p14:creationId xmlns:p14="http://schemas.microsoft.com/office/powerpoint/2010/main" val="2146232541"/>
+      </p:ext>
+    </p:extLst>
+  </p:cSld>
+  <p:clrMapOvr>
+    <a:masterClrMapping/>
+  </p:clrMapOvr>
+</p:sld>
+</file>
+
+<file path=ppt/slides/slide4.xml><?xml version="1.0" encoding="utf-8"?>
 <p:sld xmlns:a="http://schemas.openxmlformats.org/drawingml/2006/main" xmlns:r="http://schemas.openxmlformats.org/officeDocument/2006/relationships" xmlns:p="http://schemas.openxmlformats.org/presentationml/2006/main">
   <p:cSld>
     <p:spTree>
@@ -8552,7 +9230,7 @@
 </p:sld>
 </file>
 
-<file path=ppt/slides/slide3.xml><?xml version="1.0" encoding="utf-8"?>
+<file path=ppt/slides/slide5.xml><?xml version="1.0" encoding="utf-8"?>
 <p:sld xmlns:a="http://schemas.openxmlformats.org/drawingml/2006/main" xmlns:r="http://schemas.openxmlformats.org/officeDocument/2006/relationships" xmlns:p="http://schemas.openxmlformats.org/presentationml/2006/main">
   <p:cSld>
     <p:spTree>
@@ -8646,7 +9324,7 @@
 </p:sld>
 </file>
 
-<file path=ppt/slides/slide4.xml><?xml version="1.0" encoding="utf-8"?>
+<file path=ppt/slides/slide6.xml><?xml version="1.0" encoding="utf-8"?>
 <p:sld xmlns:a="http://schemas.openxmlformats.org/drawingml/2006/main" xmlns:r="http://schemas.openxmlformats.org/officeDocument/2006/relationships" xmlns:p="http://schemas.openxmlformats.org/presentationml/2006/main">
   <p:cSld>
     <p:spTree>
@@ -8743,7 +9421,7 @@
 </p:sld>
 </file>
 
-<file path=ppt/slides/slide5.xml><?xml version="1.0" encoding="utf-8"?>
+<file path=ppt/slides/slide7.xml><?xml version="1.0" encoding="utf-8"?>
 <p:sld xmlns:a="http://schemas.openxmlformats.org/drawingml/2006/main" xmlns:r="http://schemas.openxmlformats.org/officeDocument/2006/relationships" xmlns:p="http://schemas.openxmlformats.org/presentationml/2006/main">
   <p:cSld>
     <p:spTree>
@@ -8803,7 +9481,7 @@
 </p:sld>
 </file>
 
-<file path=ppt/slides/slide6.xml><?xml version="1.0" encoding="utf-8"?>
+<file path=ppt/slides/slide8.xml><?xml version="1.0" encoding="utf-8"?>
 <p:sld xmlns:a="http://schemas.openxmlformats.org/drawingml/2006/main" xmlns:r="http://schemas.openxmlformats.org/officeDocument/2006/relationships" xmlns:p="http://schemas.openxmlformats.org/presentationml/2006/main">
   <p:cSld>
     <p:spTree>
@@ -8926,7 +9604,7 @@
 </p:sld>
 </file>
 
-<file path=ppt/slides/slide7.xml><?xml version="1.0" encoding="utf-8"?>
+<file path=ppt/slides/slide9.xml><?xml version="1.0" encoding="utf-8"?>
 <p:sld xmlns:a="http://schemas.openxmlformats.org/drawingml/2006/main" xmlns:r="http://schemas.openxmlformats.org/officeDocument/2006/relationships" xmlns:p="http://schemas.openxmlformats.org/presentationml/2006/main">
   <p:cSld>
     <p:spTree>
@@ -9040,240 +9718,6 @@
     <p:extLst>
       <p:ext uri="{BB962C8B-B14F-4D97-AF65-F5344CB8AC3E}">
         <p14:creationId xmlns:p14="http://schemas.microsoft.com/office/powerpoint/2010/main" val="553397789"/>
-      </p:ext>
-    </p:extLst>
-  </p:cSld>
-  <p:clrMapOvr>
-    <a:masterClrMapping/>
-  </p:clrMapOvr>
-</p:sld>
-</file>
-
-<file path=ppt/slides/slide8.xml><?xml version="1.0" encoding="utf-8"?>
-<p:sld xmlns:a="http://schemas.openxmlformats.org/drawingml/2006/main" xmlns:r="http://schemas.openxmlformats.org/officeDocument/2006/relationships" xmlns:p="http://schemas.openxmlformats.org/presentationml/2006/main">
-  <p:cSld>
-    <p:spTree>
-      <p:nvGrpSpPr>
-        <p:cNvPr id="1" name=""/>
-        <p:cNvGrpSpPr/>
-        <p:nvPr/>
-      </p:nvGrpSpPr>
-      <p:grpSpPr>
-        <a:xfrm>
-          <a:off x="0" y="0"/>
-          <a:ext cx="0" cy="0"/>
-          <a:chOff x="0" y="0"/>
-          <a:chExt cx="0" cy="0"/>
-        </a:xfrm>
-      </p:grpSpPr>
-      <p:sp>
-        <p:nvSpPr>
-          <p:cNvPr id="2" name="標題 1">
-            <a:extLst>
-              <a:ext uri="{FF2B5EF4-FFF2-40B4-BE49-F238E27FC236}">
-                <a16:creationId xmlns:a16="http://schemas.microsoft.com/office/drawing/2014/main" id="{E31F225F-3B9F-44AC-95FF-31F2ADAA5484}"/>
-              </a:ext>
-            </a:extLst>
-          </p:cNvPr>
-          <p:cNvSpPr>
-            <a:spLocks noGrp="1"/>
-          </p:cNvSpPr>
-          <p:nvPr>
-            <p:ph type="title"/>
-          </p:nvPr>
-        </p:nvSpPr>
-        <p:spPr/>
-        <p:txBody>
-          <a:bodyPr/>
-          <a:lstStyle/>
-          <a:p>
-            <a:r>
-              <a:rPr lang="en-US" altLang="zh-TW" i="0" dirty="0">
-                <a:effectLst/>
-                <a:latin typeface="-apple-system"/>
-              </a:rPr>
-              <a:t>Train the model</a:t>
-            </a:r>
-            <a:endParaRPr lang="zh-TW" altLang="en-US" dirty="0"/>
-          </a:p>
-        </p:txBody>
-      </p:sp>
-      <p:sp>
-        <p:nvSpPr>
-          <p:cNvPr id="3" name="內容版面配置區 2">
-            <a:extLst>
-              <a:ext uri="{FF2B5EF4-FFF2-40B4-BE49-F238E27FC236}">
-                <a16:creationId xmlns:a16="http://schemas.microsoft.com/office/drawing/2014/main" id="{326B3F73-898C-4584-965F-976DBD3CDD4D}"/>
-              </a:ext>
-            </a:extLst>
-          </p:cNvPr>
-          <p:cNvSpPr>
-            <a:spLocks noGrp="1"/>
-          </p:cNvSpPr>
-          <p:nvPr>
-            <p:ph idx="1"/>
-          </p:nvPr>
-        </p:nvSpPr>
-        <p:spPr/>
-        <p:txBody>
-          <a:bodyPr/>
-          <a:lstStyle/>
-          <a:p>
-            <a:endParaRPr lang="zh-TW" altLang="en-US"/>
-          </a:p>
-        </p:txBody>
-      </p:sp>
-      <p:pic>
-        <p:nvPicPr>
-          <p:cNvPr id="9" name="圖片 8">
-            <a:extLst>
-              <a:ext uri="{FF2B5EF4-FFF2-40B4-BE49-F238E27FC236}">
-                <a16:creationId xmlns:a16="http://schemas.microsoft.com/office/drawing/2014/main" id="{F77307BF-DCE8-4577-AD1E-EE4B263E42DA}"/>
-              </a:ext>
-            </a:extLst>
-          </p:cNvPr>
-          <p:cNvPicPr>
-            <a:picLocks noChangeAspect="1"/>
-          </p:cNvPicPr>
-          <p:nvPr/>
-        </p:nvPicPr>
-        <p:blipFill>
-          <a:blip r:embed="rId2"/>
-          <a:stretch>
-            <a:fillRect/>
-          </a:stretch>
-        </p:blipFill>
-        <p:spPr>
-          <a:xfrm>
-            <a:off x="2436125" y="2223552"/>
-            <a:ext cx="8865287" cy="2919948"/>
-          </a:xfrm>
-          <a:prstGeom prst="rect">
-            <a:avLst/>
-          </a:prstGeom>
-        </p:spPr>
-      </p:pic>
-    </p:spTree>
-    <p:extLst>
-      <p:ext uri="{BB962C8B-B14F-4D97-AF65-F5344CB8AC3E}">
-        <p14:creationId xmlns:p14="http://schemas.microsoft.com/office/powerpoint/2010/main" val="3084738398"/>
-      </p:ext>
-    </p:extLst>
-  </p:cSld>
-  <p:clrMapOvr>
-    <a:masterClrMapping/>
-  </p:clrMapOvr>
-</p:sld>
-</file>
-
-<file path=ppt/slides/slide9.xml><?xml version="1.0" encoding="utf-8"?>
-<p:sld xmlns:a="http://schemas.openxmlformats.org/drawingml/2006/main" xmlns:r="http://schemas.openxmlformats.org/officeDocument/2006/relationships" xmlns:p="http://schemas.openxmlformats.org/presentationml/2006/main">
-  <p:cSld>
-    <p:spTree>
-      <p:nvGrpSpPr>
-        <p:cNvPr id="1" name=""/>
-        <p:cNvGrpSpPr/>
-        <p:nvPr/>
-      </p:nvGrpSpPr>
-      <p:grpSpPr>
-        <a:xfrm>
-          <a:off x="0" y="0"/>
-          <a:ext cx="0" cy="0"/>
-          <a:chOff x="0" y="0"/>
-          <a:chExt cx="0" cy="0"/>
-        </a:xfrm>
-      </p:grpSpPr>
-      <p:sp>
-        <p:nvSpPr>
-          <p:cNvPr id="2" name="標題 1">
-            <a:extLst>
-              <a:ext uri="{FF2B5EF4-FFF2-40B4-BE49-F238E27FC236}">
-                <a16:creationId xmlns:a16="http://schemas.microsoft.com/office/drawing/2014/main" id="{B5DFA159-6AB5-4CE3-9219-E7C5085F8E5F}"/>
-              </a:ext>
-            </a:extLst>
-          </p:cNvPr>
-          <p:cNvSpPr>
-            <a:spLocks noGrp="1"/>
-          </p:cNvSpPr>
-          <p:nvPr>
-            <p:ph type="title"/>
-          </p:nvPr>
-        </p:nvSpPr>
-        <p:spPr/>
-        <p:txBody>
-          <a:bodyPr/>
-          <a:lstStyle/>
-          <a:p>
-            <a:r>
-              <a:rPr lang="en-US" altLang="zh-TW" i="0" dirty="0">
-                <a:effectLst/>
-                <a:latin typeface="-apple-system"/>
-              </a:rPr>
-              <a:t>Predict on test data</a:t>
-            </a:r>
-            <a:endParaRPr lang="zh-TW" altLang="en-US" dirty="0"/>
-          </a:p>
-        </p:txBody>
-      </p:sp>
-      <p:sp>
-        <p:nvSpPr>
-          <p:cNvPr id="3" name="內容版面配置區 2">
-            <a:extLst>
-              <a:ext uri="{FF2B5EF4-FFF2-40B4-BE49-F238E27FC236}">
-                <a16:creationId xmlns:a16="http://schemas.microsoft.com/office/drawing/2014/main" id="{703FB491-A606-47DB-8E03-DB860E340D81}"/>
-              </a:ext>
-            </a:extLst>
-          </p:cNvPr>
-          <p:cNvSpPr>
-            <a:spLocks noGrp="1"/>
-          </p:cNvSpPr>
-          <p:nvPr>
-            <p:ph idx="1"/>
-          </p:nvPr>
-        </p:nvSpPr>
-        <p:spPr/>
-        <p:txBody>
-          <a:bodyPr/>
-          <a:lstStyle/>
-          <a:p>
-            <a:endParaRPr lang="zh-TW" altLang="en-US"/>
-          </a:p>
-        </p:txBody>
-      </p:sp>
-      <p:pic>
-        <p:nvPicPr>
-          <p:cNvPr id="5" name="圖片 4">
-            <a:extLst>
-              <a:ext uri="{FF2B5EF4-FFF2-40B4-BE49-F238E27FC236}">
-                <a16:creationId xmlns:a16="http://schemas.microsoft.com/office/drawing/2014/main" id="{F69D83EB-9111-4B1A-9298-E418959FE1E6}"/>
-              </a:ext>
-            </a:extLst>
-          </p:cNvPr>
-          <p:cNvPicPr>
-            <a:picLocks noChangeAspect="1"/>
-          </p:cNvPicPr>
-          <p:nvPr/>
-        </p:nvPicPr>
-        <p:blipFill>
-          <a:blip r:embed="rId2"/>
-          <a:stretch>
-            <a:fillRect/>
-          </a:stretch>
-        </p:blipFill>
-        <p:spPr>
-          <a:xfrm>
-            <a:off x="2524835" y="1935103"/>
-            <a:ext cx="6657109" cy="4881880"/>
-          </a:xfrm>
-          <a:prstGeom prst="rect">
-            <a:avLst/>
-          </a:prstGeom>
-        </p:spPr>
-      </p:pic>
-    </p:spTree>
-    <p:extLst>
-      <p:ext uri="{BB962C8B-B14F-4D97-AF65-F5344CB8AC3E}">
-        <p14:creationId xmlns:p14="http://schemas.microsoft.com/office/powerpoint/2010/main" val="190519154"/>
       </p:ext>
     </p:extLst>
   </p:cSld>
